--- a/Presentation/ML5_Tech Titans_End_Sem_Project_Presentation.pptx
+++ b/Presentation/ML5_Tech Titans_End_Sem_Project_Presentation.pptx
@@ -820,7 +820,7 @@
   <p:cSld>
     <p:spTree>
       <p:nvGrpSpPr>
-        <p:cNvPr id="133" name="Shape 133"/>
+        <p:cNvPr id="135" name="Shape 135"/>
         <p:cNvGrpSpPr/>
         <p:nvPr/>
       </p:nvGrpSpPr>
@@ -834,7 +834,7 @@
       </p:grpSpPr>
       <p:sp>
         <p:nvSpPr>
-          <p:cNvPr id="134" name="Google Shape;134;g22d88a5030d_0_434:notes"/>
+          <p:cNvPr id="136" name="Google Shape;136;g22d88a5030d_0_434:notes"/>
           <p:cNvSpPr/>
           <p:nvPr>
             <p:ph idx="2" type="sldImg"/>
@@ -869,7 +869,7 @@
       </p:sp>
       <p:sp>
         <p:nvSpPr>
-          <p:cNvPr id="135" name="Google Shape;135;g22d88a5030d_0_434:notes"/>
+          <p:cNvPr id="137" name="Google Shape;137;g22d88a5030d_0_434:notes"/>
           <p:cNvSpPr txBox="1"/>
           <p:nvPr>
             <p:ph idx="1" type="body"/>
@@ -919,7 +919,7 @@
   <p:cSld>
     <p:spTree>
       <p:nvGrpSpPr>
-        <p:cNvPr id="142" name="Shape 142"/>
+        <p:cNvPr id="144" name="Shape 144"/>
         <p:cNvGrpSpPr/>
         <p:nvPr/>
       </p:nvGrpSpPr>
@@ -933,7 +933,7 @@
       </p:grpSpPr>
       <p:sp>
         <p:nvSpPr>
-          <p:cNvPr id="143" name="Google Shape;143;g22d88a5030d_0_439:notes"/>
+          <p:cNvPr id="145" name="Google Shape;145;g22d88a5030d_0_439:notes"/>
           <p:cNvSpPr/>
           <p:nvPr>
             <p:ph idx="2" type="sldImg"/>
@@ -968,7 +968,7 @@
       </p:sp>
       <p:sp>
         <p:nvSpPr>
-          <p:cNvPr id="144" name="Google Shape;144;g22d88a5030d_0_439:notes"/>
+          <p:cNvPr id="146" name="Google Shape;146;g22d88a5030d_0_439:notes"/>
           <p:cNvSpPr txBox="1"/>
           <p:nvPr>
             <p:ph idx="1" type="body"/>
@@ -1018,7 +1018,7 @@
   <p:cSld>
     <p:spTree>
       <p:nvGrpSpPr>
-        <p:cNvPr id="150" name="Shape 150"/>
+        <p:cNvPr id="152" name="Shape 152"/>
         <p:cNvGrpSpPr/>
         <p:nvPr/>
       </p:nvGrpSpPr>
@@ -1032,7 +1032,7 @@
       </p:grpSpPr>
       <p:sp>
         <p:nvSpPr>
-          <p:cNvPr id="151" name="Google Shape;151;g22d88a5030d_0_409:notes"/>
+          <p:cNvPr id="153" name="Google Shape;153;g22d88a5030d_0_409:notes"/>
           <p:cNvSpPr/>
           <p:nvPr>
             <p:ph idx="2" type="sldImg"/>
@@ -1067,7 +1067,7 @@
       </p:sp>
       <p:sp>
         <p:nvSpPr>
-          <p:cNvPr id="152" name="Google Shape;152;g22d88a5030d_0_409:notes"/>
+          <p:cNvPr id="154" name="Google Shape;154;g22d88a5030d_0_409:notes"/>
           <p:cNvSpPr txBox="1"/>
           <p:nvPr>
             <p:ph idx="1" type="body"/>
@@ -1117,7 +1117,7 @@
   <p:cSld>
     <p:spTree>
       <p:nvGrpSpPr>
-        <p:cNvPr id="157" name="Shape 157"/>
+        <p:cNvPr id="159" name="Shape 159"/>
         <p:cNvGrpSpPr/>
         <p:nvPr/>
       </p:nvGrpSpPr>
@@ -1131,7 +1131,7 @@
       </p:grpSpPr>
       <p:sp>
         <p:nvSpPr>
-          <p:cNvPr id="158" name="Google Shape;158;g22d88a5030d_0_419:notes"/>
+          <p:cNvPr id="160" name="Google Shape;160;g22d88a5030d_0_419:notes"/>
           <p:cNvSpPr/>
           <p:nvPr>
             <p:ph idx="2" type="sldImg"/>
@@ -1166,7 +1166,7 @@
       </p:sp>
       <p:sp>
         <p:nvSpPr>
-          <p:cNvPr id="159" name="Google Shape;159;g22d88a5030d_0_419:notes"/>
+          <p:cNvPr id="161" name="Google Shape;161;g22d88a5030d_0_419:notes"/>
           <p:cNvSpPr txBox="1"/>
           <p:nvPr>
             <p:ph idx="1" type="body"/>
@@ -1216,7 +1216,7 @@
   <p:cSld>
     <p:spTree>
       <p:nvGrpSpPr>
-        <p:cNvPr id="168" name="Shape 168"/>
+        <p:cNvPr id="170" name="Shape 170"/>
         <p:cNvGrpSpPr/>
         <p:nvPr/>
       </p:nvGrpSpPr>
@@ -1230,7 +1230,7 @@
       </p:grpSpPr>
       <p:sp>
         <p:nvSpPr>
-          <p:cNvPr id="169" name="Google Shape;169;g22d88a5030d_0_414:notes"/>
+          <p:cNvPr id="171" name="Google Shape;171;g22d88a5030d_0_414:notes"/>
           <p:cNvSpPr/>
           <p:nvPr>
             <p:ph idx="2" type="sldImg"/>
@@ -1265,7 +1265,7 @@
       </p:sp>
       <p:sp>
         <p:nvSpPr>
-          <p:cNvPr id="170" name="Google Shape;170;g22d88a5030d_0_414:notes"/>
+          <p:cNvPr id="172" name="Google Shape;172;g22d88a5030d_0_414:notes"/>
           <p:cNvSpPr txBox="1"/>
           <p:nvPr>
             <p:ph idx="1" type="body"/>
@@ -1315,7 +1315,7 @@
   <p:cSld>
     <p:spTree>
       <p:nvGrpSpPr>
-        <p:cNvPr id="175" name="Shape 175"/>
+        <p:cNvPr id="177" name="Shape 177"/>
         <p:cNvGrpSpPr/>
         <p:nvPr/>
       </p:nvGrpSpPr>
@@ -1329,7 +1329,7 @@
       </p:grpSpPr>
       <p:sp>
         <p:nvSpPr>
-          <p:cNvPr id="176" name="Google Shape;176;g22d88a5030d_0_449:notes"/>
+          <p:cNvPr id="178" name="Google Shape;178;g22d88a5030d_0_449:notes"/>
           <p:cNvSpPr/>
           <p:nvPr>
             <p:ph idx="2" type="sldImg"/>
@@ -1364,7 +1364,7 @@
       </p:sp>
       <p:sp>
         <p:nvSpPr>
-          <p:cNvPr id="177" name="Google Shape;177;g22d88a5030d_0_449:notes"/>
+          <p:cNvPr id="179" name="Google Shape;179;g22d88a5030d_0_449:notes"/>
           <p:cNvSpPr txBox="1"/>
           <p:nvPr>
             <p:ph idx="1" type="body"/>
@@ -1414,7 +1414,7 @@
   <p:cSld>
     <p:spTree>
       <p:nvGrpSpPr>
-        <p:cNvPr id="181" name="Shape 181"/>
+        <p:cNvPr id="183" name="Shape 183"/>
         <p:cNvGrpSpPr/>
         <p:nvPr/>
       </p:nvGrpSpPr>
@@ -1428,7 +1428,7 @@
       </p:grpSpPr>
       <p:sp>
         <p:nvSpPr>
-          <p:cNvPr id="182" name="Google Shape;182;g22d88a5030d_0_444:notes"/>
+          <p:cNvPr id="184" name="Google Shape;184;g22d88a5030d_0_444:notes"/>
           <p:cNvSpPr/>
           <p:nvPr>
             <p:ph idx="2" type="sldImg"/>
@@ -1463,7 +1463,7 @@
       </p:sp>
       <p:sp>
         <p:nvSpPr>
-          <p:cNvPr id="183" name="Google Shape;183;g22d88a5030d_0_444:notes"/>
+          <p:cNvPr id="185" name="Google Shape;185;g22d88a5030d_0_444:notes"/>
           <p:cNvSpPr txBox="1"/>
           <p:nvPr>
             <p:ph idx="1" type="body"/>
@@ -1513,7 +1513,7 @@
   <p:cSld>
     <p:spTree>
       <p:nvGrpSpPr>
-        <p:cNvPr id="187" name="Shape 187"/>
+        <p:cNvPr id="189" name="Shape 189"/>
         <p:cNvGrpSpPr/>
         <p:nvPr/>
       </p:nvGrpSpPr>
@@ -1527,7 +1527,7 @@
       </p:grpSpPr>
       <p:sp>
         <p:nvSpPr>
-          <p:cNvPr id="188" name="Google Shape;188;g22d88a5030d_0_454:notes"/>
+          <p:cNvPr id="190" name="Google Shape;190;g22d88a5030d_0_454:notes"/>
           <p:cNvSpPr/>
           <p:nvPr>
             <p:ph idx="2" type="sldImg"/>
@@ -1562,7 +1562,7 @@
       </p:sp>
       <p:sp>
         <p:nvSpPr>
-          <p:cNvPr id="189" name="Google Shape;189;g22d88a5030d_0_454:notes"/>
+          <p:cNvPr id="191" name="Google Shape;191;g22d88a5030d_0_454:notes"/>
           <p:cNvSpPr txBox="1"/>
           <p:nvPr>
             <p:ph idx="1" type="body"/>
@@ -2008,7 +2008,7 @@
   <p:cSld>
     <p:spTree>
       <p:nvGrpSpPr>
-        <p:cNvPr id="104" name="Shape 104"/>
+        <p:cNvPr id="106" name="Shape 106"/>
         <p:cNvGrpSpPr/>
         <p:nvPr/>
       </p:nvGrpSpPr>
@@ -2022,7 +2022,7 @@
       </p:grpSpPr>
       <p:sp>
         <p:nvSpPr>
-          <p:cNvPr id="105" name="Google Shape;105;g22d88a5030d_0_404:notes"/>
+          <p:cNvPr id="107" name="Google Shape;107;g22d88a5030d_0_404:notes"/>
           <p:cNvSpPr/>
           <p:nvPr>
             <p:ph idx="2" type="sldImg"/>
@@ -2057,7 +2057,7 @@
       </p:sp>
       <p:sp>
         <p:nvSpPr>
-          <p:cNvPr id="106" name="Google Shape;106;g22d88a5030d_0_404:notes"/>
+          <p:cNvPr id="108" name="Google Shape;108;g22d88a5030d_0_404:notes"/>
           <p:cNvSpPr txBox="1"/>
           <p:nvPr>
             <p:ph idx="1" type="body"/>
@@ -2107,7 +2107,7 @@
   <p:cSld>
     <p:spTree>
       <p:nvGrpSpPr>
-        <p:cNvPr id="111" name="Shape 111"/>
+        <p:cNvPr id="113" name="Shape 113"/>
         <p:cNvGrpSpPr/>
         <p:nvPr/>
       </p:nvGrpSpPr>
@@ -2121,7 +2121,7 @@
       </p:grpSpPr>
       <p:sp>
         <p:nvSpPr>
-          <p:cNvPr id="112" name="Google Shape;112;g22deda67b10_0_0:notes"/>
+          <p:cNvPr id="114" name="Google Shape;114;g22deda67b10_0_0:notes"/>
           <p:cNvSpPr/>
           <p:nvPr>
             <p:ph idx="2" type="sldImg"/>
@@ -2156,7 +2156,7 @@
       </p:sp>
       <p:sp>
         <p:nvSpPr>
-          <p:cNvPr id="113" name="Google Shape;113;g22deda67b10_0_0:notes"/>
+          <p:cNvPr id="115" name="Google Shape;115;g22deda67b10_0_0:notes"/>
           <p:cNvSpPr txBox="1"/>
           <p:nvPr>
             <p:ph idx="1" type="body"/>
@@ -2206,7 +2206,7 @@
   <p:cSld>
     <p:spTree>
       <p:nvGrpSpPr>
-        <p:cNvPr id="119" name="Shape 119"/>
+        <p:cNvPr id="121" name="Shape 121"/>
         <p:cNvGrpSpPr/>
         <p:nvPr/>
       </p:nvGrpSpPr>
@@ -2220,7 +2220,7 @@
       </p:grpSpPr>
       <p:sp>
         <p:nvSpPr>
-          <p:cNvPr id="120" name="Google Shape;120;g22d88a5030d_0_429:notes"/>
+          <p:cNvPr id="122" name="Google Shape;122;g22d88a5030d_0_429:notes"/>
           <p:cNvSpPr/>
           <p:nvPr>
             <p:ph idx="2" type="sldImg"/>
@@ -2255,7 +2255,7 @@
       </p:sp>
       <p:sp>
         <p:nvSpPr>
-          <p:cNvPr id="121" name="Google Shape;121;g22d88a5030d_0_429:notes"/>
+          <p:cNvPr id="123" name="Google Shape;123;g22d88a5030d_0_429:notes"/>
           <p:cNvSpPr txBox="1"/>
           <p:nvPr>
             <p:ph idx="1" type="body"/>
@@ -2305,7 +2305,7 @@
   <p:cSld>
     <p:spTree>
       <p:nvGrpSpPr>
-        <p:cNvPr id="126" name="Shape 126"/>
+        <p:cNvPr id="128" name="Shape 128"/>
         <p:cNvGrpSpPr/>
         <p:nvPr/>
       </p:nvGrpSpPr>
@@ -2319,7 +2319,7 @@
       </p:grpSpPr>
       <p:sp>
         <p:nvSpPr>
-          <p:cNvPr id="127" name="Google Shape;127;g22d88a5030d_0_424:notes"/>
+          <p:cNvPr id="129" name="Google Shape;129;g22d88a5030d_0_424:notes"/>
           <p:cNvSpPr/>
           <p:nvPr>
             <p:ph idx="2" type="sldImg"/>
@@ -2354,7 +2354,7 @@
       </p:sp>
       <p:sp>
         <p:nvSpPr>
-          <p:cNvPr id="128" name="Google Shape;128;g22d88a5030d_0_424:notes"/>
+          <p:cNvPr id="130" name="Google Shape;130;g22d88a5030d_0_424:notes"/>
           <p:cNvSpPr txBox="1"/>
           <p:nvPr>
             <p:ph idx="1" type="body"/>
@@ -7821,7 +7821,7 @@
             <a:tbl>
               <a:tblPr>
                 <a:noFill/>
-                <a:tableStyleId>{47ABF483-567C-4F72-9A91-1D19F397A64C}</a:tableStyleId>
+                <a:tableStyleId>{1A599BF5-F289-423D-B96D-DB93C8DF365B}</a:tableStyleId>
               </a:tblPr>
               <a:tblGrid>
                 <a:gridCol w="3619500"/>
@@ -8212,7 +8212,7 @@
   <p:cSld>
     <p:spTree>
       <p:nvGrpSpPr>
-        <p:cNvPr id="136" name="Shape 136"/>
+        <p:cNvPr id="138" name="Shape 138"/>
         <p:cNvGrpSpPr/>
         <p:nvPr/>
       </p:nvGrpSpPr>
@@ -8226,7 +8226,7 @@
       </p:grpSpPr>
       <p:sp>
         <p:nvSpPr>
-          <p:cNvPr id="137" name="Google Shape;137;p22"/>
+          <p:cNvPr id="139" name="Google Shape;139;p22"/>
           <p:cNvSpPr txBox="1"/>
           <p:nvPr>
             <p:ph type="title"/>
@@ -8266,7 +8266,7 @@
       </p:sp>
       <p:pic>
         <p:nvPicPr>
-          <p:cNvPr id="138" name="Google Shape;138;p22"/>
+          <p:cNvPr id="140" name="Google Shape;140;p22"/>
           <p:cNvPicPr preferRelativeResize="0"/>
           <p:nvPr/>
         </p:nvPicPr>
@@ -8294,7 +8294,7 @@
       </p:pic>
       <p:sp>
         <p:nvSpPr>
-          <p:cNvPr id="139" name="Google Shape;139;p22"/>
+          <p:cNvPr id="141" name="Google Shape;141;p22"/>
           <p:cNvSpPr txBox="1"/>
           <p:nvPr/>
         </p:nvSpPr>
@@ -8340,7 +8340,7 @@
       </p:sp>
       <p:sp>
         <p:nvSpPr>
-          <p:cNvPr id="140" name="Google Shape;140;p22"/>
+          <p:cNvPr id="142" name="Google Shape;142;p22"/>
           <p:cNvSpPr txBox="1"/>
           <p:nvPr/>
         </p:nvSpPr>
@@ -8386,7 +8386,7 @@
       </p:sp>
       <p:sp>
         <p:nvSpPr>
-          <p:cNvPr id="141" name="Google Shape;141;p22"/>
+          <p:cNvPr id="143" name="Google Shape;143;p22"/>
           <p:cNvSpPr txBox="1"/>
           <p:nvPr/>
         </p:nvSpPr>
@@ -8497,7 +8497,7 @@
   <p:cSld>
     <p:spTree>
       <p:nvGrpSpPr>
-        <p:cNvPr id="145" name="Shape 145"/>
+        <p:cNvPr id="147" name="Shape 147"/>
         <p:cNvGrpSpPr/>
         <p:nvPr/>
       </p:nvGrpSpPr>
@@ -8511,7 +8511,7 @@
       </p:grpSpPr>
       <p:sp>
         <p:nvSpPr>
-          <p:cNvPr id="146" name="Google Shape;146;p23"/>
+          <p:cNvPr id="148" name="Google Shape;148;p23"/>
           <p:cNvSpPr txBox="1"/>
           <p:nvPr>
             <p:ph type="title"/>
@@ -8551,7 +8551,7 @@
       </p:sp>
       <p:pic>
         <p:nvPicPr>
-          <p:cNvPr id="147" name="Google Shape;147;p23"/>
+          <p:cNvPr id="149" name="Google Shape;149;p23"/>
           <p:cNvPicPr preferRelativeResize="0"/>
           <p:nvPr/>
         </p:nvPicPr>
@@ -8578,7 +8578,7 @@
       </p:pic>
       <p:sp>
         <p:nvSpPr>
-          <p:cNvPr id="148" name="Google Shape;148;p23"/>
+          <p:cNvPr id="150" name="Google Shape;150;p23"/>
           <p:cNvSpPr txBox="1"/>
           <p:nvPr/>
         </p:nvSpPr>
@@ -8624,7 +8624,7 @@
       </p:sp>
       <p:sp>
         <p:nvSpPr>
-          <p:cNvPr id="149" name="Google Shape;149;p23"/>
+          <p:cNvPr id="151" name="Google Shape;151;p23"/>
           <p:cNvSpPr txBox="1"/>
           <p:nvPr/>
         </p:nvSpPr>
@@ -8741,7 +8741,7 @@
   <p:cSld>
     <p:spTree>
       <p:nvGrpSpPr>
-        <p:cNvPr id="153" name="Shape 153"/>
+        <p:cNvPr id="155" name="Shape 155"/>
         <p:cNvGrpSpPr/>
         <p:nvPr/>
       </p:nvGrpSpPr>
@@ -8755,7 +8755,7 @@
       </p:grpSpPr>
       <p:sp>
         <p:nvSpPr>
-          <p:cNvPr id="154" name="Google Shape;154;p24"/>
+          <p:cNvPr id="156" name="Google Shape;156;p24"/>
           <p:cNvSpPr txBox="1"/>
           <p:nvPr>
             <p:ph type="title"/>
@@ -8795,7 +8795,7 @@
       </p:sp>
       <p:pic>
         <p:nvPicPr>
-          <p:cNvPr id="155" name="Google Shape;155;p24"/>
+          <p:cNvPr id="157" name="Google Shape;157;p24"/>
           <p:cNvPicPr preferRelativeResize="0"/>
           <p:nvPr/>
         </p:nvPicPr>
@@ -8822,7 +8822,7 @@
       </p:pic>
       <p:sp>
         <p:nvSpPr>
-          <p:cNvPr id="156" name="Google Shape;156;p24"/>
+          <p:cNvPr id="158" name="Google Shape;158;p24"/>
           <p:cNvSpPr txBox="1"/>
           <p:nvPr/>
         </p:nvSpPr>
@@ -8965,7 +8965,7 @@
   <p:cSld>
     <p:spTree>
       <p:nvGrpSpPr>
-        <p:cNvPr id="160" name="Shape 160"/>
+        <p:cNvPr id="162" name="Shape 162"/>
         <p:cNvGrpSpPr/>
         <p:nvPr/>
       </p:nvGrpSpPr>
@@ -8979,7 +8979,7 @@
       </p:grpSpPr>
       <p:sp>
         <p:nvSpPr>
-          <p:cNvPr id="161" name="Google Shape;161;p25"/>
+          <p:cNvPr id="163" name="Google Shape;163;p25"/>
           <p:cNvSpPr txBox="1"/>
           <p:nvPr>
             <p:ph type="title"/>
@@ -9019,7 +9019,7 @@
       </p:sp>
       <p:pic>
         <p:nvPicPr>
-          <p:cNvPr id="162" name="Google Shape;162;p25"/>
+          <p:cNvPr id="164" name="Google Shape;164;p25"/>
           <p:cNvPicPr preferRelativeResize="0"/>
           <p:nvPr/>
         </p:nvPicPr>
@@ -9047,7 +9047,7 @@
       </p:pic>
       <p:sp>
         <p:nvSpPr>
-          <p:cNvPr id="163" name="Google Shape;163;p25"/>
+          <p:cNvPr id="165" name="Google Shape;165;p25"/>
           <p:cNvSpPr txBox="1"/>
           <p:nvPr/>
         </p:nvSpPr>
@@ -9090,92 +9090,6 @@
                 <a:sym typeface="Open Sans"/>
               </a:rPr>
               <a:t>RMSE </a:t>
-            </a:r>
-            <a:endParaRPr>
-              <a:solidFill>
-                <a:schemeClr val="dk2"/>
-              </a:solidFill>
-              <a:latin typeface="Open Sans"/>
-              <a:ea typeface="Open Sans"/>
-              <a:cs typeface="Open Sans"/>
-              <a:sym typeface="Open Sans"/>
-            </a:endParaRPr>
-          </a:p>
-        </p:txBody>
-      </p:sp>
-      <p:pic>
-        <p:nvPicPr>
-          <p:cNvPr id="164" name="Google Shape;164;p25"/>
-          <p:cNvPicPr preferRelativeResize="0"/>
-          <p:nvPr/>
-        </p:nvPicPr>
-        <p:blipFill>
-          <a:blip r:embed="rId4">
-            <a:alphaModFix/>
-          </a:blip>
-          <a:stretch>
-            <a:fillRect/>
-          </a:stretch>
-        </p:blipFill>
-        <p:spPr>
-          <a:xfrm>
-            <a:off x="4998944" y="222300"/>
-            <a:ext cx="3887658" cy="2351700"/>
-          </a:xfrm>
-          <a:prstGeom prst="rect">
-            <a:avLst/>
-          </a:prstGeom>
-          <a:noFill/>
-          <a:ln>
-            <a:noFill/>
-          </a:ln>
-        </p:spPr>
-      </p:pic>
-      <p:sp>
-        <p:nvSpPr>
-          <p:cNvPr id="165" name="Google Shape;165;p25"/>
-          <p:cNvSpPr txBox="1"/>
-          <p:nvPr/>
-        </p:nvSpPr>
-        <p:spPr>
-          <a:xfrm>
-            <a:off x="4179650" y="409925"/>
-            <a:ext cx="5188500" cy="400200"/>
-          </a:xfrm>
-          <a:prstGeom prst="rect">
-            <a:avLst/>
-          </a:prstGeom>
-          <a:noFill/>
-          <a:ln>
-            <a:noFill/>
-          </a:ln>
-        </p:spPr>
-        <p:txBody>
-          <a:bodyPr anchorCtr="0" anchor="t" bIns="91425" lIns="91425" spcFirstLastPara="1" rIns="91425" wrap="square" tIns="91425">
-            <a:spAutoFit/>
-          </a:bodyPr>
-          <a:lstStyle/>
-          <a:p>
-            <a:pPr indent="0" lvl="0" marL="0" rtl="0" algn="l">
-              <a:spcBef>
-                <a:spcPts val="0"/>
-              </a:spcBef>
-              <a:spcAft>
-                <a:spcPts val="0"/>
-              </a:spcAft>
-              <a:buNone/>
-            </a:pPr>
-            <a:r>
-              <a:rPr lang="en">
-                <a:solidFill>
-                  <a:schemeClr val="dk2"/>
-                </a:solidFill>
-                <a:latin typeface="Open Sans"/>
-                <a:ea typeface="Open Sans"/>
-                <a:cs typeface="Open Sans"/>
-                <a:sym typeface="Open Sans"/>
-              </a:rPr>
-              <a:t>MAE</a:t>
             </a:r>
             <a:endParaRPr>
               <a:solidFill>
@@ -9196,6 +9110,92 @@
           <p:nvPr/>
         </p:nvPicPr>
         <p:blipFill>
+          <a:blip r:embed="rId4">
+            <a:alphaModFix/>
+          </a:blip>
+          <a:stretch>
+            <a:fillRect/>
+          </a:stretch>
+        </p:blipFill>
+        <p:spPr>
+          <a:xfrm>
+            <a:off x="4998944" y="222300"/>
+            <a:ext cx="3887658" cy="2351700"/>
+          </a:xfrm>
+          <a:prstGeom prst="rect">
+            <a:avLst/>
+          </a:prstGeom>
+          <a:noFill/>
+          <a:ln>
+            <a:noFill/>
+          </a:ln>
+        </p:spPr>
+      </p:pic>
+      <p:sp>
+        <p:nvSpPr>
+          <p:cNvPr id="167" name="Google Shape;167;p25"/>
+          <p:cNvSpPr txBox="1"/>
+          <p:nvPr/>
+        </p:nvSpPr>
+        <p:spPr>
+          <a:xfrm>
+            <a:off x="4179650" y="409925"/>
+            <a:ext cx="5188500" cy="400200"/>
+          </a:xfrm>
+          <a:prstGeom prst="rect">
+            <a:avLst/>
+          </a:prstGeom>
+          <a:noFill/>
+          <a:ln>
+            <a:noFill/>
+          </a:ln>
+        </p:spPr>
+        <p:txBody>
+          <a:bodyPr anchorCtr="0" anchor="t" bIns="91425" lIns="91425" spcFirstLastPara="1" rIns="91425" wrap="square" tIns="91425">
+            <a:spAutoFit/>
+          </a:bodyPr>
+          <a:lstStyle/>
+          <a:p>
+            <a:pPr indent="0" lvl="0" marL="0" rtl="0" algn="l">
+              <a:spcBef>
+                <a:spcPts val="0"/>
+              </a:spcBef>
+              <a:spcAft>
+                <a:spcPts val="0"/>
+              </a:spcAft>
+              <a:buNone/>
+            </a:pPr>
+            <a:r>
+              <a:rPr lang="en">
+                <a:solidFill>
+                  <a:schemeClr val="dk2"/>
+                </a:solidFill>
+                <a:latin typeface="Open Sans"/>
+                <a:ea typeface="Open Sans"/>
+                <a:cs typeface="Open Sans"/>
+                <a:sym typeface="Open Sans"/>
+              </a:rPr>
+              <a:t>MAE</a:t>
+            </a:r>
+            <a:endParaRPr>
+              <a:solidFill>
+                <a:schemeClr val="dk2"/>
+              </a:solidFill>
+              <a:latin typeface="Open Sans"/>
+              <a:ea typeface="Open Sans"/>
+              <a:cs typeface="Open Sans"/>
+              <a:sym typeface="Open Sans"/>
+            </a:endParaRPr>
+          </a:p>
+        </p:txBody>
+      </p:sp>
+      <p:pic>
+        <p:nvPicPr>
+          <p:cNvPr id="168" name="Google Shape;168;p25"/>
+          <p:cNvPicPr preferRelativeResize="0"/>
+          <p:nvPr/>
+        </p:nvPicPr>
+        <p:blipFill>
           <a:blip r:embed="rId5">
             <a:alphaModFix/>
           </a:blip>
@@ -9219,7 +9219,7 @@
       </p:pic>
       <p:sp>
         <p:nvSpPr>
-          <p:cNvPr id="167" name="Google Shape;167;p25"/>
+          <p:cNvPr id="169" name="Google Shape;169;p25"/>
           <p:cNvSpPr txBox="1"/>
           <p:nvPr/>
         </p:nvSpPr>
@@ -9288,7 +9288,7 @@
   <p:cSld>
     <p:spTree>
       <p:nvGrpSpPr>
-        <p:cNvPr id="171" name="Shape 171"/>
+        <p:cNvPr id="173" name="Shape 173"/>
         <p:cNvGrpSpPr/>
         <p:nvPr/>
       </p:nvGrpSpPr>
@@ -9302,7 +9302,7 @@
       </p:grpSpPr>
       <p:sp>
         <p:nvSpPr>
-          <p:cNvPr id="172" name="Google Shape;172;p26"/>
+          <p:cNvPr id="174" name="Google Shape;174;p26"/>
           <p:cNvSpPr txBox="1"/>
           <p:nvPr>
             <p:ph type="title"/>
@@ -9342,7 +9342,7 @@
       </p:sp>
       <p:pic>
         <p:nvPicPr>
-          <p:cNvPr id="173" name="Google Shape;173;p26"/>
+          <p:cNvPr id="175" name="Google Shape;175;p26"/>
           <p:cNvPicPr preferRelativeResize="0"/>
           <p:nvPr/>
         </p:nvPicPr>
@@ -9369,7 +9369,7 @@
       </p:pic>
       <p:sp>
         <p:nvSpPr>
-          <p:cNvPr id="174" name="Google Shape;174;p26"/>
+          <p:cNvPr id="176" name="Google Shape;176;p26"/>
           <p:cNvSpPr txBox="1"/>
           <p:nvPr/>
         </p:nvSpPr>
@@ -9462,7 +9462,7 @@
   <p:cSld>
     <p:spTree>
       <p:nvGrpSpPr>
-        <p:cNvPr id="178" name="Shape 178"/>
+        <p:cNvPr id="180" name="Shape 180"/>
         <p:cNvGrpSpPr/>
         <p:nvPr/>
       </p:nvGrpSpPr>
@@ -9476,7 +9476,7 @@
       </p:grpSpPr>
       <p:sp>
         <p:nvSpPr>
-          <p:cNvPr id="179" name="Google Shape;179;p27"/>
+          <p:cNvPr id="181" name="Google Shape;181;p27"/>
           <p:cNvSpPr txBox="1"/>
           <p:nvPr>
             <p:ph type="title"/>
@@ -9516,7 +9516,7 @@
       </p:sp>
       <p:sp>
         <p:nvSpPr>
-          <p:cNvPr id="180" name="Google Shape;180;p27"/>
+          <p:cNvPr id="182" name="Google Shape;182;p27"/>
           <p:cNvSpPr txBox="1"/>
           <p:nvPr>
             <p:ph idx="1" type="body"/>
@@ -9665,7 +9665,7 @@
   <p:cSld>
     <p:spTree>
       <p:nvGrpSpPr>
-        <p:cNvPr id="184" name="Shape 184"/>
+        <p:cNvPr id="186" name="Shape 186"/>
         <p:cNvGrpSpPr/>
         <p:nvPr/>
       </p:nvGrpSpPr>
@@ -9679,7 +9679,7 @@
       </p:grpSpPr>
       <p:sp>
         <p:nvSpPr>
-          <p:cNvPr id="185" name="Google Shape;185;p28"/>
+          <p:cNvPr id="187" name="Google Shape;187;p28"/>
           <p:cNvSpPr txBox="1"/>
           <p:nvPr>
             <p:ph type="title"/>
@@ -9719,7 +9719,7 @@
       </p:sp>
       <p:sp>
         <p:nvSpPr>
-          <p:cNvPr id="186" name="Google Shape;186;p28"/>
+          <p:cNvPr id="188" name="Google Shape;188;p28"/>
           <p:cNvSpPr txBox="1"/>
           <p:nvPr>
             <p:ph idx="1" type="body"/>
@@ -9755,7 +9755,50 @@
             </a:pPr>
             <a:r>
               <a:rPr lang="en"/>
-              <a:t>Jainam R  Shah:  Final Results </a:t>
+              <a:t>Jainam R  Shah:  Final Results and Model Implementation</a:t>
+            </a:r>
+            <a:endParaRPr/>
+          </a:p>
+          <a:p>
+            <a:pPr indent="0" lvl="0" marL="0" rtl="0" algn="l">
+              <a:lnSpc>
+                <a:spcPct val="100000"/>
+              </a:lnSpc>
+              <a:spcBef>
+                <a:spcPts val="0"/>
+              </a:spcBef>
+              <a:spcAft>
+                <a:spcPts val="0"/>
+              </a:spcAft>
+              <a:buNone/>
+            </a:pPr>
+            <a:r>
+              <a:rPr lang="en"/>
+              <a:t> </a:t>
+            </a:r>
+            <a:endParaRPr/>
+          </a:p>
+          <a:p>
+            <a:pPr indent="-342900" lvl="0" marL="457200" rtl="0" algn="l">
+              <a:lnSpc>
+                <a:spcPct val="100000"/>
+              </a:lnSpc>
+              <a:spcBef>
+                <a:spcPts val="0"/>
+              </a:spcBef>
+              <a:spcAft>
+                <a:spcPts val="0"/>
+              </a:spcAft>
+              <a:buSzPts val="1800"/>
+              <a:buChar char="●"/>
+            </a:pPr>
+            <a:r>
+              <a:rPr lang="en"/>
+              <a:t>Yash Chotaliya </a:t>
+            </a:r>
+            <a:r>
+              <a:rPr lang="en"/>
+              <a:t>: Model Implementation and Accuracy testing</a:t>
             </a:r>
             <a:endParaRPr/>
           </a:p>
@@ -9773,8 +9816,7 @@
               <a:buNone/>
             </a:pPr>
             <a:r>
-              <a:rPr lang="en"/>
-              <a:t> </a:t>
+              <a:t/>
             </a:r>
             <a:endParaRPr/>
           </a:p>
@@ -9794,11 +9836,11 @@
             </a:pPr>
             <a:r>
               <a:rPr lang="en"/>
-              <a:t>Yash Chotaliya </a:t>
+              <a:t>Akshay Parmar </a:t>
             </a:r>
             <a:r>
               <a:rPr lang="en"/>
-              <a:t>: Model Implementation and Accuracy testing</a:t>
+              <a:t>: Data Visualization and Data Normalization</a:t>
             </a:r>
             <a:endParaRPr/>
           </a:p>
@@ -9816,7 +9858,8 @@
               <a:buNone/>
             </a:pPr>
             <a:r>
-              <a:t/>
+              <a:rPr lang="en"/>
+              <a:t> </a:t>
             </a:r>
             <a:endParaRPr/>
           </a:p>
@@ -9836,11 +9879,11 @@
             </a:pPr>
             <a:r>
               <a:rPr lang="en"/>
-              <a:t>Akshay Parmar </a:t>
+              <a:t>Shubham Bhatt </a:t>
             </a:r>
             <a:r>
               <a:rPr lang="en"/>
-              <a:t>: Data Visualization and Data Normalization</a:t>
+              <a:t>: Final Results and Accuracy Testing</a:t>
             </a:r>
             <a:endParaRPr/>
           </a:p>
@@ -9858,32 +9901,7 @@
               <a:buNone/>
             </a:pPr>
             <a:r>
-              <a:rPr lang="en"/>
-              <a:t> </a:t>
-            </a:r>
-            <a:endParaRPr/>
-          </a:p>
-          <a:p>
-            <a:pPr indent="-342900" lvl="0" marL="457200" rtl="0" algn="l">
-              <a:lnSpc>
-                <a:spcPct val="100000"/>
-              </a:lnSpc>
-              <a:spcBef>
-                <a:spcPts val="0"/>
-              </a:spcBef>
-              <a:spcAft>
-                <a:spcPts val="0"/>
-              </a:spcAft>
-              <a:buSzPts val="1800"/>
-              <a:buChar char="●"/>
-            </a:pPr>
-            <a:r>
-              <a:rPr lang="en"/>
-              <a:t>Shubham Bhatt </a:t>
-            </a:r>
-            <a:r>
-              <a:rPr lang="en"/>
-              <a:t>: Final Results </a:t>
+              <a:t/>
             </a:r>
             <a:endParaRPr/>
           </a:p>
@@ -9917,7 +9935,7 @@
   <p:cSld>
     <p:spTree>
       <p:nvGrpSpPr>
-        <p:cNvPr id="190" name="Shape 190"/>
+        <p:cNvPr id="192" name="Shape 192"/>
         <p:cNvGrpSpPr/>
         <p:nvPr/>
       </p:nvGrpSpPr>
@@ -9931,7 +9949,7 @@
       </p:grpSpPr>
       <p:sp>
         <p:nvSpPr>
-          <p:cNvPr id="191" name="Google Shape;191;p29"/>
+          <p:cNvPr id="193" name="Google Shape;193;p29"/>
           <p:cNvSpPr txBox="1"/>
           <p:nvPr>
             <p:ph type="title"/>
@@ -9971,7 +9989,7 @@
       </p:sp>
       <p:sp>
         <p:nvSpPr>
-          <p:cNvPr id="192" name="Google Shape;192;p29"/>
+          <p:cNvPr id="194" name="Google Shape;194;p29"/>
           <p:cNvSpPr txBox="1"/>
           <p:nvPr/>
         </p:nvSpPr>
@@ -11306,7 +11324,62 @@
         <p:spPr>
           <a:xfrm>
             <a:off x="5256150" y="1217525"/>
-            <a:ext cx="3259425" cy="254125"/>
+            <a:ext cx="2688000" cy="254125"/>
+          </a:xfrm>
+          <a:prstGeom prst="rect">
+            <a:avLst/>
+          </a:prstGeom>
+          <a:noFill/>
+          <a:ln>
+            <a:noFill/>
+          </a:ln>
+        </p:spPr>
+      </p:pic>
+      <p:pic>
+        <p:nvPicPr>
+          <p:cNvPr id="104" name="Google Shape;104;p17"/>
+          <p:cNvPicPr preferRelativeResize="0"/>
+          <p:nvPr/>
+        </p:nvPicPr>
+        <p:blipFill rotWithShape="1">
+          <a:blip r:embed="rId7">
+            <a:alphaModFix/>
+          </a:blip>
+          <a:srcRect b="0" l="0" r="0" t="18837"/>
+          <a:stretch/>
+        </p:blipFill>
+        <p:spPr>
+          <a:xfrm>
+            <a:off x="7944150" y="1216025"/>
+            <a:ext cx="571425" cy="254125"/>
+          </a:xfrm>
+          <a:prstGeom prst="rect">
+            <a:avLst/>
+          </a:prstGeom>
+          <a:noFill/>
+          <a:ln>
+            <a:noFill/>
+          </a:ln>
+        </p:spPr>
+      </p:pic>
+      <p:pic>
+        <p:nvPicPr>
+          <p:cNvPr id="105" name="Google Shape;105;p17"/>
+          <p:cNvPicPr preferRelativeResize="0"/>
+          <p:nvPr/>
+        </p:nvPicPr>
+        <p:blipFill>
+          <a:blip r:embed="rId8">
+            <a:alphaModFix/>
+          </a:blip>
+          <a:stretch>
+            <a:fillRect/>
+          </a:stretch>
+        </p:blipFill>
+        <p:spPr>
+          <a:xfrm>
+            <a:off x="152400" y="4736975"/>
+            <a:ext cx="657825" cy="254125"/>
           </a:xfrm>
           <a:prstGeom prst="rect">
             <a:avLst/>
@@ -11330,7 +11403,7 @@
   <p:cSld>
     <p:spTree>
       <p:nvGrpSpPr>
-        <p:cNvPr id="107" name="Shape 107"/>
+        <p:cNvPr id="109" name="Shape 109"/>
         <p:cNvGrpSpPr/>
         <p:nvPr/>
       </p:nvGrpSpPr>
@@ -11344,7 +11417,7 @@
       </p:grpSpPr>
       <p:sp>
         <p:nvSpPr>
-          <p:cNvPr id="108" name="Google Shape;108;p18"/>
+          <p:cNvPr id="110" name="Google Shape;110;p18"/>
           <p:cNvSpPr txBox="1"/>
           <p:nvPr>
             <p:ph type="title"/>
@@ -11384,7 +11457,7 @@
       </p:sp>
       <p:sp>
         <p:nvSpPr>
-          <p:cNvPr id="109" name="Google Shape;109;p18"/>
+          <p:cNvPr id="111" name="Google Shape;111;p18"/>
           <p:cNvSpPr txBox="1"/>
           <p:nvPr>
             <p:ph idx="1" type="body"/>
@@ -11500,7 +11573,7 @@
       </p:sp>
       <p:sp>
         <p:nvSpPr>
-          <p:cNvPr id="110" name="Google Shape;110;p18"/>
+          <p:cNvPr id="112" name="Google Shape;112;p18"/>
           <p:cNvSpPr txBox="1"/>
           <p:nvPr/>
         </p:nvSpPr>
@@ -11630,7 +11703,7 @@
   <p:cSld>
     <p:spTree>
       <p:nvGrpSpPr>
-        <p:cNvPr id="114" name="Shape 114"/>
+        <p:cNvPr id="116" name="Shape 116"/>
         <p:cNvGrpSpPr/>
         <p:nvPr/>
       </p:nvGrpSpPr>
@@ -11644,7 +11717,7 @@
       </p:grpSpPr>
       <p:sp>
         <p:nvSpPr>
-          <p:cNvPr id="115" name="Google Shape;115;p19"/>
+          <p:cNvPr id="117" name="Google Shape;117;p19"/>
           <p:cNvSpPr txBox="1"/>
           <p:nvPr>
             <p:ph type="title"/>
@@ -11684,7 +11757,7 @@
       </p:sp>
       <p:sp>
         <p:nvSpPr>
-          <p:cNvPr id="116" name="Google Shape;116;p19"/>
+          <p:cNvPr id="118" name="Google Shape;118;p19"/>
           <p:cNvSpPr txBox="1"/>
           <p:nvPr>
             <p:ph idx="1" type="body"/>
@@ -11759,7 +11832,7 @@
       </p:sp>
       <p:pic>
         <p:nvPicPr>
-          <p:cNvPr id="117" name="Google Shape;117;p19"/>
+          <p:cNvPr id="119" name="Google Shape;119;p19"/>
           <p:cNvPicPr preferRelativeResize="0"/>
           <p:nvPr/>
         </p:nvPicPr>
@@ -11787,7 +11860,7 @@
       </p:pic>
       <p:sp>
         <p:nvSpPr>
-          <p:cNvPr id="118" name="Google Shape;118;p19"/>
+          <p:cNvPr id="120" name="Google Shape;120;p19"/>
           <p:cNvSpPr txBox="1"/>
           <p:nvPr/>
         </p:nvSpPr>
@@ -11851,7 +11924,7 @@
   <p:cSld>
     <p:spTree>
       <p:nvGrpSpPr>
-        <p:cNvPr id="122" name="Shape 122"/>
+        <p:cNvPr id="124" name="Shape 124"/>
         <p:cNvGrpSpPr/>
         <p:nvPr/>
       </p:nvGrpSpPr>
@@ -11865,7 +11938,7 @@
       </p:grpSpPr>
       <p:sp>
         <p:nvSpPr>
-          <p:cNvPr id="123" name="Google Shape;123;p20"/>
+          <p:cNvPr id="125" name="Google Shape;125;p20"/>
           <p:cNvSpPr txBox="1"/>
           <p:nvPr>
             <p:ph type="title"/>
@@ -11905,7 +11978,7 @@
       </p:sp>
       <p:sp>
         <p:nvSpPr>
-          <p:cNvPr id="124" name="Google Shape;124;p20"/>
+          <p:cNvPr id="126" name="Google Shape;126;p20"/>
           <p:cNvSpPr txBox="1"/>
           <p:nvPr>
             <p:ph idx="1" type="body"/>
@@ -12052,7 +12125,7 @@
       </p:sp>
       <p:pic>
         <p:nvPicPr>
-          <p:cNvPr id="125" name="Google Shape;125;p20"/>
+          <p:cNvPr id="127" name="Google Shape;127;p20"/>
           <p:cNvPicPr preferRelativeResize="0"/>
           <p:nvPr/>
         </p:nvPicPr>
@@ -12091,7 +12164,7 @@
   <p:cSld>
     <p:spTree>
       <p:nvGrpSpPr>
-        <p:cNvPr id="129" name="Shape 129"/>
+        <p:cNvPr id="131" name="Shape 131"/>
         <p:cNvGrpSpPr/>
         <p:nvPr/>
       </p:nvGrpSpPr>
@@ -12105,7 +12178,7 @@
       </p:grpSpPr>
       <p:sp>
         <p:nvSpPr>
-          <p:cNvPr id="130" name="Google Shape;130;p21"/>
+          <p:cNvPr id="132" name="Google Shape;132;p21"/>
           <p:cNvSpPr txBox="1"/>
           <p:nvPr>
             <p:ph type="title"/>
@@ -12153,7 +12226,7 @@
       </p:sp>
       <p:sp>
         <p:nvSpPr>
-          <p:cNvPr id="131" name="Google Shape;131;p21"/>
+          <p:cNvPr id="133" name="Google Shape;133;p21"/>
           <p:cNvSpPr txBox="1"/>
           <p:nvPr>
             <p:ph idx="1" type="body"/>
@@ -12272,7 +12345,7 @@
       </p:sp>
       <p:pic>
         <p:nvPicPr>
-          <p:cNvPr id="132" name="Google Shape;132;p21"/>
+          <p:cNvPr id="134" name="Google Shape;134;p21"/>
           <p:cNvPicPr preferRelativeResize="0"/>
           <p:nvPr/>
         </p:nvPicPr>
